--- a/113062575.pptx
+++ b/113062575.pptx
@@ -105,6 +105,11 @@
       </a:defRPr>
     </a:lvl9pPr>
   </p:defaultTextStyle>
+  <p:extLst>
+    <p:ext uri="{EFAFB233-063F-42B5-8137-9DF3F51BA10A}">
+      <p15:sldGuideLst xmlns:p15="http://schemas.microsoft.com/office/powerpoint/2012/main"/>
+    </p:ext>
+  </p:extLst>
 </p:presentation>
 </file>
 
@@ -3392,7 +3397,20 @@
                 <a:latin typeface="Times New Roman" panose="02020603050405020304" pitchFamily="18" charset="0"/>
                 <a:cs typeface="Times New Roman" panose="02020603050405020304" pitchFamily="18" charset="0"/>
               </a:rPr>
-              <a:t>Global Geopolitical Changes and New/Renewable Energy Game</a:t>
+              <a:t>Development of Regulatory Strategies in the Sharing Economy:</a:t>
+            </a:r>
+          </a:p>
+          <a:p>
+            <a:r>
+              <a:rPr lang="en-US" altLang="zh-TW" b="1" i="0" dirty="0">
+                <a:solidFill>
+                  <a:srgbClr val="000000"/>
+                </a:solidFill>
+                <a:effectLst/>
+                <a:latin typeface="Times New Roman" panose="02020603050405020304" pitchFamily="18" charset="0"/>
+                <a:cs typeface="Times New Roman" panose="02020603050405020304" pitchFamily="18" charset="0"/>
+              </a:rPr>
+              <a:t>The Application of Game Theory</a:t>
             </a:r>
           </a:p>
           <a:p>
